--- a/springboot与微服务架构.pptx
+++ b/springboot与微服务架构.pptx
@@ -226,7 +226,7 @@
           <a:p>
             <a:fld id="{D2A48B96-639E-45A3-A0BA-2464DFDB1FAA}" type="datetimeFigureOut">
               <a:rPr lang="zh-CN" altLang="en-US" smtClean="0"/>
-              <a:t>2019/7/2</a:t>
+              <a:t>2020/3/22</a:t>
             </a:fld>
             <a:endParaRPr lang="zh-CN" altLang="en-US"/>
           </a:p>
@@ -290,38 +290,37 @@
           <a:p>
             <a:pPr lvl="0"/>
             <a:r>
-              <a:rPr lang="zh-CN" altLang="en-US" smtClean="0"/>
+              <a:rPr lang="zh-CN" altLang="en-US"/>
               <a:t>单击此处编辑母版文本样式</a:t>
             </a:r>
           </a:p>
           <a:p>
             <a:pPr lvl="1"/>
             <a:r>
-              <a:rPr lang="zh-CN" altLang="en-US" smtClean="0"/>
+              <a:rPr lang="zh-CN" altLang="en-US"/>
               <a:t>第二级</a:t>
             </a:r>
           </a:p>
           <a:p>
             <a:pPr lvl="2"/>
             <a:r>
-              <a:rPr lang="zh-CN" altLang="en-US" smtClean="0"/>
+              <a:rPr lang="zh-CN" altLang="en-US"/>
               <a:t>第三级</a:t>
             </a:r>
           </a:p>
           <a:p>
             <a:pPr lvl="3"/>
             <a:r>
-              <a:rPr lang="zh-CN" altLang="en-US" smtClean="0"/>
+              <a:rPr lang="zh-CN" altLang="en-US"/>
               <a:t>第四级</a:t>
             </a:r>
           </a:p>
           <a:p>
             <a:pPr lvl="4"/>
             <a:r>
-              <a:rPr lang="zh-CN" altLang="en-US" smtClean="0"/>
+              <a:rPr lang="zh-CN" altLang="en-US"/>
               <a:t>第五级</a:t>
             </a:r>
-            <a:endParaRPr lang="zh-CN" altLang="en-US"/>
           </a:p>
         </p:txBody>
       </p:sp>
@@ -1485,10 +1484,9 @@
           </a:lstStyle>
           <a:p>
             <a:r>
-              <a:rPr lang="zh-CN" altLang="en-US" smtClean="0"/>
+              <a:rPr lang="zh-CN" altLang="en-US"/>
               <a:t>单击此处编辑母版标题样式</a:t>
             </a:r>
-            <a:endParaRPr lang="zh-CN" altLang="en-US"/>
           </a:p>
         </p:txBody>
       </p:sp>
@@ -1550,10 +1548,9 @@
           </a:lstStyle>
           <a:p>
             <a:r>
-              <a:rPr lang="zh-CN" altLang="en-US" smtClean="0"/>
+              <a:rPr lang="zh-CN" altLang="en-US"/>
               <a:t>单击此处编辑母版副标题样式</a:t>
             </a:r>
-            <a:endParaRPr lang="zh-CN" altLang="en-US"/>
           </a:p>
         </p:txBody>
       </p:sp>
@@ -1574,7 +1571,7 @@
           <a:p>
             <a:fld id="{82F288E0-7875-42C4-84C8-98DBBD3BF4D2}" type="datetimeFigureOut">
               <a:rPr lang="zh-CN" altLang="en-US" smtClean="0"/>
-              <a:t>2019/7/2</a:t>
+              <a:t>2020/3/22</a:t>
             </a:fld>
             <a:endParaRPr lang="zh-CN" altLang="en-US"/>
           </a:p>
@@ -1669,38 +1666,37 @@
           <a:p>
             <a:pPr lvl="0"/>
             <a:r>
-              <a:rPr lang="zh-CN" altLang="en-US" smtClean="0"/>
+              <a:rPr lang="zh-CN" altLang="en-US"/>
               <a:t>单击此处编辑母版文本样式</a:t>
             </a:r>
           </a:p>
           <a:p>
             <a:pPr lvl="1"/>
             <a:r>
-              <a:rPr lang="zh-CN" altLang="en-US" smtClean="0"/>
+              <a:rPr lang="zh-CN" altLang="en-US"/>
               <a:t>第二级</a:t>
             </a:r>
           </a:p>
           <a:p>
             <a:pPr lvl="2"/>
             <a:r>
-              <a:rPr lang="zh-CN" altLang="en-US" smtClean="0"/>
+              <a:rPr lang="zh-CN" altLang="en-US"/>
               <a:t>第三级</a:t>
             </a:r>
           </a:p>
           <a:p>
             <a:pPr lvl="3"/>
             <a:r>
-              <a:rPr lang="zh-CN" altLang="en-US" smtClean="0"/>
+              <a:rPr lang="zh-CN" altLang="en-US"/>
               <a:t>第四级</a:t>
             </a:r>
           </a:p>
           <a:p>
             <a:pPr lvl="4"/>
             <a:r>
-              <a:rPr lang="zh-CN" altLang="en-US" smtClean="0"/>
+              <a:rPr lang="zh-CN" altLang="en-US"/>
               <a:t>第五级</a:t>
             </a:r>
-            <a:endParaRPr lang="zh-CN" altLang="en-US"/>
           </a:p>
         </p:txBody>
       </p:sp>
@@ -1721,7 +1717,7 @@
           <a:p>
             <a:fld id="{82F288E0-7875-42C4-84C8-98DBBD3BF4D2}" type="datetimeFigureOut">
               <a:rPr lang="zh-CN" altLang="en-US" smtClean="0"/>
-              <a:t>2019/7/2</a:t>
+              <a:t>2020/3/22</a:t>
             </a:fld>
             <a:endParaRPr lang="zh-CN" altLang="en-US"/>
           </a:p>
@@ -1810,10 +1806,9 @@
           <a:lstStyle/>
           <a:p>
             <a:r>
-              <a:rPr lang="zh-CN" altLang="en-US" smtClean="0"/>
+              <a:rPr lang="zh-CN" altLang="en-US"/>
               <a:t>单击此处编辑母版标题样式</a:t>
             </a:r>
-            <a:endParaRPr lang="zh-CN" altLang="en-US"/>
           </a:p>
         </p:txBody>
       </p:sp>
@@ -1834,38 +1829,37 @@
           <a:p>
             <a:pPr lvl="0"/>
             <a:r>
-              <a:rPr lang="zh-CN" altLang="en-US" smtClean="0"/>
+              <a:rPr lang="zh-CN" altLang="en-US"/>
               <a:t>单击此处编辑母版文本样式</a:t>
             </a:r>
           </a:p>
           <a:p>
             <a:pPr lvl="1"/>
             <a:r>
-              <a:rPr lang="zh-CN" altLang="en-US" smtClean="0"/>
+              <a:rPr lang="zh-CN" altLang="en-US"/>
               <a:t>第二级</a:t>
             </a:r>
           </a:p>
           <a:p>
             <a:pPr lvl="2"/>
             <a:r>
-              <a:rPr lang="zh-CN" altLang="en-US" smtClean="0"/>
+              <a:rPr lang="zh-CN" altLang="en-US"/>
               <a:t>第三级</a:t>
             </a:r>
           </a:p>
           <a:p>
             <a:pPr lvl="3"/>
             <a:r>
-              <a:rPr lang="zh-CN" altLang="en-US" smtClean="0"/>
+              <a:rPr lang="zh-CN" altLang="en-US"/>
               <a:t>第四级</a:t>
             </a:r>
           </a:p>
           <a:p>
             <a:pPr lvl="4"/>
             <a:r>
-              <a:rPr lang="zh-CN" altLang="en-US" smtClean="0"/>
+              <a:rPr lang="zh-CN" altLang="en-US"/>
               <a:t>第五级</a:t>
             </a:r>
-            <a:endParaRPr lang="zh-CN" altLang="en-US"/>
           </a:p>
         </p:txBody>
       </p:sp>
@@ -1886,7 +1880,7 @@
           <a:p>
             <a:fld id="{82F288E0-7875-42C4-84C8-98DBBD3BF4D2}" type="datetimeFigureOut">
               <a:rPr lang="zh-CN" altLang="en-US" smtClean="0"/>
-              <a:t>2019/7/2</a:t>
+              <a:t>2020/3/22</a:t>
             </a:fld>
             <a:endParaRPr lang="zh-CN" altLang="en-US"/>
           </a:p>
@@ -1984,10 +1978,9 @@
           </a:lstStyle>
           <a:p>
             <a:r>
-              <a:rPr lang="zh-CN" altLang="en-US" smtClean="0"/>
+              <a:rPr lang="zh-CN" altLang="en-US"/>
               <a:t>单击此处编辑母版标题样式</a:t>
             </a:r>
-            <a:endParaRPr lang="zh-CN" altLang="en-US"/>
           </a:p>
         </p:txBody>
       </p:sp>
@@ -2104,7 +2097,7 @@
           <a:p>
             <a:pPr lvl="0"/>
             <a:r>
-              <a:rPr lang="zh-CN" altLang="en-US" smtClean="0"/>
+              <a:rPr lang="zh-CN" altLang="en-US"/>
               <a:t>单击此处编辑母版文本样式</a:t>
             </a:r>
           </a:p>
@@ -2127,7 +2120,7 @@
           <a:p>
             <a:fld id="{82F288E0-7875-42C4-84C8-98DBBD3BF4D2}" type="datetimeFigureOut">
               <a:rPr lang="zh-CN" altLang="en-US" smtClean="0"/>
-              <a:t>2019/7/2</a:t>
+              <a:t>2020/3/22</a:t>
             </a:fld>
             <a:endParaRPr lang="zh-CN" altLang="en-US"/>
           </a:p>
@@ -2216,10 +2209,9 @@
           <a:lstStyle/>
           <a:p>
             <a:r>
-              <a:rPr lang="zh-CN" altLang="en-US" smtClean="0"/>
+              <a:rPr lang="zh-CN" altLang="en-US"/>
               <a:t>单击此处编辑母版标题样式</a:t>
             </a:r>
-            <a:endParaRPr lang="zh-CN" altLang="en-US"/>
           </a:p>
         </p:txBody>
       </p:sp>
@@ -2245,38 +2237,37 @@
           <a:p>
             <a:pPr lvl="0"/>
             <a:r>
-              <a:rPr lang="zh-CN" altLang="en-US" smtClean="0"/>
+              <a:rPr lang="zh-CN" altLang="en-US"/>
               <a:t>单击此处编辑母版文本样式</a:t>
             </a:r>
           </a:p>
           <a:p>
             <a:pPr lvl="1"/>
             <a:r>
-              <a:rPr lang="zh-CN" altLang="en-US" smtClean="0"/>
+              <a:rPr lang="zh-CN" altLang="en-US"/>
               <a:t>第二级</a:t>
             </a:r>
           </a:p>
           <a:p>
             <a:pPr lvl="2"/>
             <a:r>
-              <a:rPr lang="zh-CN" altLang="en-US" smtClean="0"/>
+              <a:rPr lang="zh-CN" altLang="en-US"/>
               <a:t>第三级</a:t>
             </a:r>
           </a:p>
           <a:p>
             <a:pPr lvl="3"/>
             <a:r>
-              <a:rPr lang="zh-CN" altLang="en-US" smtClean="0"/>
+              <a:rPr lang="zh-CN" altLang="en-US"/>
               <a:t>第四级</a:t>
             </a:r>
           </a:p>
           <a:p>
             <a:pPr lvl="4"/>
             <a:r>
-              <a:rPr lang="zh-CN" altLang="en-US" smtClean="0"/>
+              <a:rPr lang="zh-CN" altLang="en-US"/>
               <a:t>第五级</a:t>
             </a:r>
-            <a:endParaRPr lang="zh-CN" altLang="en-US"/>
           </a:p>
         </p:txBody>
       </p:sp>
@@ -2302,38 +2293,37 @@
           <a:p>
             <a:pPr lvl="0"/>
             <a:r>
-              <a:rPr lang="zh-CN" altLang="en-US" smtClean="0"/>
+              <a:rPr lang="zh-CN" altLang="en-US"/>
               <a:t>单击此处编辑母版文本样式</a:t>
             </a:r>
           </a:p>
           <a:p>
             <a:pPr lvl="1"/>
             <a:r>
-              <a:rPr lang="zh-CN" altLang="en-US" smtClean="0"/>
+              <a:rPr lang="zh-CN" altLang="en-US"/>
               <a:t>第二级</a:t>
             </a:r>
           </a:p>
           <a:p>
             <a:pPr lvl="2"/>
             <a:r>
-              <a:rPr lang="zh-CN" altLang="en-US" smtClean="0"/>
+              <a:rPr lang="zh-CN" altLang="en-US"/>
               <a:t>第三级</a:t>
             </a:r>
           </a:p>
           <a:p>
             <a:pPr lvl="3"/>
             <a:r>
-              <a:rPr lang="zh-CN" altLang="en-US" smtClean="0"/>
+              <a:rPr lang="zh-CN" altLang="en-US"/>
               <a:t>第四级</a:t>
             </a:r>
           </a:p>
           <a:p>
             <a:pPr lvl="4"/>
             <a:r>
-              <a:rPr lang="zh-CN" altLang="en-US" smtClean="0"/>
+              <a:rPr lang="zh-CN" altLang="en-US"/>
               <a:t>第五级</a:t>
             </a:r>
-            <a:endParaRPr lang="zh-CN" altLang="en-US"/>
           </a:p>
         </p:txBody>
       </p:sp>
@@ -2354,7 +2344,7 @@
           <a:p>
             <a:fld id="{82F288E0-7875-42C4-84C8-98DBBD3BF4D2}" type="datetimeFigureOut">
               <a:rPr lang="zh-CN" altLang="en-US" smtClean="0"/>
-              <a:t>2019/7/2</a:t>
+              <a:t>2020/3/22</a:t>
             </a:fld>
             <a:endParaRPr lang="zh-CN" altLang="en-US"/>
           </a:p>
@@ -2448,10 +2438,9 @@
           <a:lstStyle/>
           <a:p>
             <a:r>
-              <a:rPr lang="zh-CN" altLang="en-US" smtClean="0"/>
+              <a:rPr lang="zh-CN" altLang="en-US"/>
               <a:t>单击此处编辑母版标题样式</a:t>
             </a:r>
-            <a:endParaRPr lang="zh-CN" altLang="en-US"/>
           </a:p>
         </p:txBody>
       </p:sp>
@@ -2514,7 +2503,7 @@
           <a:p>
             <a:pPr lvl="0"/>
             <a:r>
-              <a:rPr lang="zh-CN" altLang="en-US" smtClean="0"/>
+              <a:rPr lang="zh-CN" altLang="en-US"/>
               <a:t>单击此处编辑母版文本样式</a:t>
             </a:r>
           </a:p>
@@ -2542,38 +2531,37 @@
           <a:p>
             <a:pPr lvl="0"/>
             <a:r>
-              <a:rPr lang="zh-CN" altLang="en-US" smtClean="0"/>
+              <a:rPr lang="zh-CN" altLang="en-US"/>
               <a:t>单击此处编辑母版文本样式</a:t>
             </a:r>
           </a:p>
           <a:p>
             <a:pPr lvl="1"/>
             <a:r>
-              <a:rPr lang="zh-CN" altLang="en-US" smtClean="0"/>
+              <a:rPr lang="zh-CN" altLang="en-US"/>
               <a:t>第二级</a:t>
             </a:r>
           </a:p>
           <a:p>
             <a:pPr lvl="2"/>
             <a:r>
-              <a:rPr lang="zh-CN" altLang="en-US" smtClean="0"/>
+              <a:rPr lang="zh-CN" altLang="en-US"/>
               <a:t>第三级</a:t>
             </a:r>
           </a:p>
           <a:p>
             <a:pPr lvl="3"/>
             <a:r>
-              <a:rPr lang="zh-CN" altLang="en-US" smtClean="0"/>
+              <a:rPr lang="zh-CN" altLang="en-US"/>
               <a:t>第四级</a:t>
             </a:r>
           </a:p>
           <a:p>
             <a:pPr lvl="4"/>
             <a:r>
-              <a:rPr lang="zh-CN" altLang="en-US" smtClean="0"/>
+              <a:rPr lang="zh-CN" altLang="en-US"/>
               <a:t>第五级</a:t>
             </a:r>
-            <a:endParaRPr lang="zh-CN" altLang="en-US"/>
           </a:p>
         </p:txBody>
       </p:sp>
@@ -2636,7 +2624,7 @@
           <a:p>
             <a:pPr lvl="0"/>
             <a:r>
-              <a:rPr lang="zh-CN" altLang="en-US" smtClean="0"/>
+              <a:rPr lang="zh-CN" altLang="en-US"/>
               <a:t>单击此处编辑母版文本样式</a:t>
             </a:r>
           </a:p>
@@ -2664,38 +2652,37 @@
           <a:p>
             <a:pPr lvl="0"/>
             <a:r>
-              <a:rPr lang="zh-CN" altLang="en-US" smtClean="0"/>
+              <a:rPr lang="zh-CN" altLang="en-US"/>
               <a:t>单击此处编辑母版文本样式</a:t>
             </a:r>
           </a:p>
           <a:p>
             <a:pPr lvl="1"/>
             <a:r>
-              <a:rPr lang="zh-CN" altLang="en-US" smtClean="0"/>
+              <a:rPr lang="zh-CN" altLang="en-US"/>
               <a:t>第二级</a:t>
             </a:r>
           </a:p>
           <a:p>
             <a:pPr lvl="2"/>
             <a:r>
-              <a:rPr lang="zh-CN" altLang="en-US" smtClean="0"/>
+              <a:rPr lang="zh-CN" altLang="en-US"/>
               <a:t>第三级</a:t>
             </a:r>
           </a:p>
           <a:p>
             <a:pPr lvl="3"/>
             <a:r>
-              <a:rPr lang="zh-CN" altLang="en-US" smtClean="0"/>
+              <a:rPr lang="zh-CN" altLang="en-US"/>
               <a:t>第四级</a:t>
             </a:r>
           </a:p>
           <a:p>
             <a:pPr lvl="4"/>
             <a:r>
-              <a:rPr lang="zh-CN" altLang="en-US" smtClean="0"/>
+              <a:rPr lang="zh-CN" altLang="en-US"/>
               <a:t>第五级</a:t>
             </a:r>
-            <a:endParaRPr lang="zh-CN" altLang="en-US"/>
           </a:p>
         </p:txBody>
       </p:sp>
@@ -2716,7 +2703,7 @@
           <a:p>
             <a:fld id="{82F288E0-7875-42C4-84C8-98DBBD3BF4D2}" type="datetimeFigureOut">
               <a:rPr lang="zh-CN" altLang="en-US" smtClean="0"/>
-              <a:t>2019/7/2</a:t>
+              <a:t>2020/3/22</a:t>
             </a:fld>
             <a:endParaRPr lang="zh-CN" altLang="en-US"/>
           </a:p>
@@ -2805,10 +2792,9 @@
           <a:lstStyle/>
           <a:p>
             <a:r>
-              <a:rPr lang="zh-CN" altLang="en-US" smtClean="0"/>
+              <a:rPr lang="zh-CN" altLang="en-US"/>
               <a:t>单击此处编辑母版标题样式</a:t>
             </a:r>
-            <a:endParaRPr lang="zh-CN" altLang="en-US"/>
           </a:p>
         </p:txBody>
       </p:sp>
@@ -2829,7 +2815,7 @@
           <a:p>
             <a:fld id="{82F288E0-7875-42C4-84C8-98DBBD3BF4D2}" type="datetimeFigureOut">
               <a:rPr lang="zh-CN" altLang="en-US" smtClean="0"/>
-              <a:t>2019/7/2</a:t>
+              <a:t>2020/3/22</a:t>
             </a:fld>
             <a:endParaRPr lang="zh-CN" altLang="en-US"/>
           </a:p>
@@ -2919,7 +2905,7 @@
           <a:p>
             <a:fld id="{82F288E0-7875-42C4-84C8-98DBBD3BF4D2}" type="datetimeFigureOut">
               <a:rPr lang="zh-CN" altLang="en-US" smtClean="0"/>
-              <a:t>2019/7/2</a:t>
+              <a:t>2020/3/22</a:t>
             </a:fld>
             <a:endParaRPr lang="zh-CN" altLang="en-US"/>
           </a:p>
@@ -3017,10 +3003,9 @@
           </a:lstStyle>
           <a:p>
             <a:r>
-              <a:rPr lang="zh-CN" altLang="en-US" smtClean="0"/>
+              <a:rPr lang="zh-CN" altLang="en-US"/>
               <a:t>单击此处编辑母版标题样式</a:t>
             </a:r>
-            <a:endParaRPr lang="zh-CN" altLang="en-US"/>
           </a:p>
         </p:txBody>
       </p:sp>
@@ -3144,7 +3129,7 @@
           <a:p>
             <a:pPr lvl="0"/>
             <a:r>
-              <a:rPr lang="zh-CN" altLang="en-US" smtClean="0"/>
+              <a:rPr lang="zh-CN" altLang="en-US"/>
               <a:t>单击此处编辑母版文本样式</a:t>
             </a:r>
           </a:p>
@@ -3167,7 +3152,7 @@
           <a:p>
             <a:fld id="{82F288E0-7875-42C4-84C8-98DBBD3BF4D2}" type="datetimeFigureOut">
               <a:rPr lang="zh-CN" altLang="en-US" smtClean="0"/>
-              <a:t>2019/7/2</a:t>
+              <a:t>2020/3/22</a:t>
             </a:fld>
             <a:endParaRPr lang="zh-CN" altLang="en-US"/>
           </a:p>
@@ -3261,10 +3246,9 @@
           <a:lstStyle/>
           <a:p>
             <a:r>
-              <a:rPr lang="zh-CN" altLang="en-US" smtClean="0"/>
+              <a:rPr lang="zh-CN" altLang="en-US"/>
               <a:t>单击此处编辑母版标题样式</a:t>
             </a:r>
-            <a:endParaRPr lang="zh-CN" altLang="en-US"/>
           </a:p>
         </p:txBody>
       </p:sp>
@@ -3290,38 +3274,37 @@
           <a:p>
             <a:pPr lvl="0"/>
             <a:r>
-              <a:rPr lang="zh-CN" altLang="en-US" smtClean="0"/>
+              <a:rPr lang="zh-CN" altLang="en-US"/>
               <a:t>单击此处编辑母版文本样式</a:t>
             </a:r>
           </a:p>
           <a:p>
             <a:pPr lvl="1"/>
             <a:r>
-              <a:rPr lang="zh-CN" altLang="en-US" smtClean="0"/>
+              <a:rPr lang="zh-CN" altLang="en-US"/>
               <a:t>第二级</a:t>
             </a:r>
           </a:p>
           <a:p>
             <a:pPr lvl="2"/>
             <a:r>
-              <a:rPr lang="zh-CN" altLang="en-US" smtClean="0"/>
+              <a:rPr lang="zh-CN" altLang="en-US"/>
               <a:t>第三级</a:t>
             </a:r>
           </a:p>
           <a:p>
             <a:pPr lvl="3"/>
             <a:r>
-              <a:rPr lang="zh-CN" altLang="en-US" smtClean="0"/>
+              <a:rPr lang="zh-CN" altLang="en-US"/>
               <a:t>第四级</a:t>
             </a:r>
           </a:p>
           <a:p>
             <a:pPr lvl="4"/>
             <a:r>
-              <a:rPr lang="zh-CN" altLang="en-US" smtClean="0"/>
+              <a:rPr lang="zh-CN" altLang="en-US"/>
               <a:t>第五级</a:t>
             </a:r>
-            <a:endParaRPr lang="zh-CN" altLang="en-US"/>
           </a:p>
         </p:txBody>
       </p:sp>
@@ -3342,7 +3325,7 @@
           <a:p>
             <a:fld id="{82F288E0-7875-42C4-84C8-98DBBD3BF4D2}" type="datetimeFigureOut">
               <a:rPr lang="zh-CN" altLang="en-US" smtClean="0"/>
-              <a:t>2019/7/2</a:t>
+              <a:t>2020/3/22</a:t>
             </a:fld>
             <a:endParaRPr lang="zh-CN" altLang="en-US"/>
           </a:p>
@@ -3446,10 +3429,9 @@
           <a:lstStyle/>
           <a:p>
             <a:r>
-              <a:rPr lang="zh-CN" altLang="en-US" smtClean="0"/>
+              <a:rPr lang="zh-CN" altLang="en-US"/>
               <a:t>单击此处编辑母版标题样式</a:t>
             </a:r>
-            <a:endParaRPr lang="zh-CN" altLang="en-US"/>
           </a:p>
         </p:txBody>
       </p:sp>
@@ -3480,38 +3462,37 @@
           <a:p>
             <a:pPr lvl="0"/>
             <a:r>
-              <a:rPr lang="zh-CN" altLang="en-US" smtClean="0"/>
+              <a:rPr lang="zh-CN" altLang="en-US"/>
               <a:t>单击此处编辑母版文本样式</a:t>
             </a:r>
           </a:p>
           <a:p>
             <a:pPr lvl="1"/>
             <a:r>
-              <a:rPr lang="zh-CN" altLang="en-US" smtClean="0"/>
+              <a:rPr lang="zh-CN" altLang="en-US"/>
               <a:t>第二级</a:t>
             </a:r>
           </a:p>
           <a:p>
             <a:pPr lvl="2"/>
             <a:r>
-              <a:rPr lang="zh-CN" altLang="en-US" smtClean="0"/>
+              <a:rPr lang="zh-CN" altLang="en-US"/>
               <a:t>第三级</a:t>
             </a:r>
           </a:p>
           <a:p>
             <a:pPr lvl="3"/>
             <a:r>
-              <a:rPr lang="zh-CN" altLang="en-US" smtClean="0"/>
+              <a:rPr lang="zh-CN" altLang="en-US"/>
               <a:t>第四级</a:t>
             </a:r>
           </a:p>
           <a:p>
             <a:pPr lvl="4"/>
             <a:r>
-              <a:rPr lang="zh-CN" altLang="en-US" smtClean="0"/>
+              <a:rPr lang="zh-CN" altLang="en-US"/>
               <a:t>第五级</a:t>
             </a:r>
-            <a:endParaRPr lang="zh-CN" altLang="en-US"/>
           </a:p>
         </p:txBody>
       </p:sp>
@@ -3550,7 +3531,7 @@
           <a:p>
             <a:fld id="{82F288E0-7875-42C4-84C8-98DBBD3BF4D2}" type="datetimeFigureOut">
               <a:rPr lang="zh-CN" altLang="en-US" smtClean="0"/>
-              <a:t>2019/7/2</a:t>
+              <a:t>2020/3/22</a:t>
             </a:fld>
             <a:endParaRPr lang="zh-CN" altLang="en-US"/>
           </a:p>
@@ -3988,30 +3969,43 @@
         <p:spPr/>
         <p:txBody>
           <a:bodyPr>
-            <a:normAutofit lnSpcReduction="10000"/>
+            <a:normAutofit fontScale="92500" lnSpcReduction="10000"/>
           </a:bodyPr>
           <a:lstStyle/>
           <a:p>
             <a:r>
-              <a:rPr lang="en-US" altLang="zh-CN"/>
+              <a:rPr lang="en-US" altLang="zh-CN" dirty="0"/>
               <a:t>         </a:t>
             </a:r>
           </a:p>
           <a:p>
-            <a:endParaRPr lang="en-US" altLang="zh-CN"/>
-          </a:p>
-          <a:p>
-            <a:endParaRPr lang="en-US" altLang="zh-CN"/>
-          </a:p>
-          <a:p>
-            <a:r>
-              <a:rPr lang="en-US" altLang="zh-CN"/>
-              <a:t>									</a:t>
-            </a:r>
-            <a:r>
-              <a:rPr lang="zh-CN" altLang="en-US"/>
+            <a:endParaRPr lang="en-US" altLang="zh-CN" dirty="0"/>
+          </a:p>
+          <a:p>
+            <a:endParaRPr lang="en-US" altLang="zh-CN" dirty="0"/>
+          </a:p>
+          <a:p>
+            <a:r>
+              <a:rPr lang="en-US" altLang="zh-CN" dirty="0"/>
+              <a:t>						</a:t>
+            </a:r>
+            <a:r>
+              <a:rPr lang="zh-CN" altLang="en-US" dirty="0"/>
               <a:t>李力</a:t>
             </a:r>
+            <a:r>
+              <a:rPr lang="en-US" altLang="zh-CN" dirty="0"/>
+              <a:t>-</a:t>
+            </a:r>
+            <a:r>
+              <a:rPr lang="zh-CN" altLang="en-US" dirty="0"/>
+              <a:t>新东方在线</a:t>
+            </a:r>
+            <a:r>
+              <a:rPr lang="en-US" altLang="zh-CN" dirty="0"/>
+              <a:t>K12</a:t>
+            </a:r>
+            <a:endParaRPr lang="zh-CN" altLang="en-US" dirty="0"/>
           </a:p>
         </p:txBody>
       </p:sp>
@@ -5619,7 +5613,7 @@
         <p:spPr/>
         <p:txBody>
           <a:bodyPr>
-            <a:normAutofit fontScale="92500"/>
+            <a:normAutofit fontScale="92500" lnSpcReduction="10000"/>
           </a:bodyPr>
           <a:lstStyle/>
           <a:p>
@@ -6461,7 +6455,7 @@
         <p:spPr/>
         <p:txBody>
           <a:bodyPr>
-            <a:normAutofit fontScale="77500" lnSpcReduction="10000"/>
+            <a:normAutofit fontScale="85000" lnSpcReduction="20000"/>
           </a:bodyPr>
           <a:lstStyle/>
           <a:p>
@@ -8027,10 +8021,9 @@
               <a:t>chaos</a:t>
             </a:r>
             <a:r>
-              <a:rPr lang="zh-CN" altLang="en-US" dirty="0" smtClean="0"/>
+              <a:rPr lang="zh-CN" altLang="en-US" dirty="0"/>
               <a:t>测试</a:t>
             </a:r>
-            <a:endParaRPr lang="zh-CN" altLang="en-US" dirty="0"/>
           </a:p>
           <a:p>
             <a:r>
@@ -8051,13 +8044,9 @@
             </a:r>
             <a:r>
               <a:rPr lang="zh-CN" altLang="en-US" dirty="0"/>
-              <a:t>，蓝绿发布</a:t>
-            </a:r>
-            <a:r>
-              <a:rPr lang="zh-CN" altLang="en-US" dirty="0" smtClean="0"/>
-              <a:t>等</a:t>
-            </a:r>
-            <a:endParaRPr lang="en-US" altLang="zh-CN" dirty="0" smtClean="0"/>
+              <a:t>，蓝绿发布等</a:t>
+            </a:r>
+            <a:endParaRPr lang="en-US" altLang="zh-CN" dirty="0"/>
           </a:p>
           <a:p>
             <a:endParaRPr lang="zh-CN" altLang="en-US" dirty="0"/>
